--- a/docs/WIP/CASA_Mar2_v4.pptx
+++ b/docs/WIP/CASA_Mar2_v4.pptx
@@ -18,22 +18,22 @@
   <p:notesSz cx="6797675" cy="9926638"/>
   <p:embeddedFontLst>
     <p:embeddedFont>
-      <p:font typeface="Technika-Bold" panose="00000600000000000000" charset="-18"/>
+      <p:font typeface="Technika" panose="020B0604020202020204" charset="-18"/>
       <p:regular r:id="rId10"/>
-    </p:embeddedFont>
-    <p:embeddedFont>
-      <p:font typeface="Technika" panose="020B0604020202020204" charset="-18"/>
-      <p:regular r:id="rId11"/>
-      <p:bold r:id="rId12"/>
-      <p:italic r:id="rId13"/>
-      <p:boldItalic r:id="rId14"/>
+      <p:bold r:id="rId11"/>
+      <p:italic r:id="rId12"/>
+      <p:boldItalic r:id="rId13"/>
     </p:embeddedFont>
     <p:embeddedFont>
       <p:font typeface="Calibri" panose="020F0502020204030204" pitchFamily="34" charset="0"/>
-      <p:regular r:id="rId15"/>
-      <p:bold r:id="rId16"/>
-      <p:italic r:id="rId17"/>
-      <p:boldItalic r:id="rId18"/>
+      <p:regular r:id="rId14"/>
+      <p:bold r:id="rId15"/>
+      <p:italic r:id="rId16"/>
+      <p:boldItalic r:id="rId17"/>
+    </p:embeddedFont>
+    <p:embeddedFont>
+      <p:font typeface="Technika-Bold" panose="00000600000000000000" charset="-18"/>
+      <p:regular r:id="rId18"/>
     </p:embeddedFont>
   </p:embeddedFontLst>
   <p:custDataLst>
@@ -136,7 +136,7 @@
   </p:defaultTextStyle>
   <p:extLst>
     <p:ext uri="{EFAFB233-063F-42B5-8137-9DF3F51BA10A}">
-      <p15:sldGuideLst xmlns:p15="http://schemas.microsoft.com/office/powerpoint/2012/main">
+      <p15:sldGuideLst xmlns:p15="http://schemas.microsoft.com/office/powerpoint/2012/main" xmlns="">
         <p15:guide id="1" orient="horz" pos="1207" userDrawn="1">
           <p15:clr>
             <a:srgbClr val="A4A3A4"/>
@@ -425,7 +425,7 @@
           <a:graphicData uri="http://schemas.openxmlformats.org/presentationml/2006/ole">
             <mc:AlternateContent xmlns:mc="http://schemas.openxmlformats.org/markup-compatibility/2006">
               <mc:Choice xmlns:v="urn:schemas-microsoft-com:vml" Requires="v">
-                <p:oleObj spid="_x0000_s25623" name="think-cell Slide" r:id="rId4" imgW="270" imgH="270" progId="TCLayout.ActiveDocument.1">
+                <p:oleObj spid="_x0000_s25625" name="think-cell Slide" r:id="rId4" imgW="270" imgH="270" progId="TCLayout.ActiveDocument.1">
                   <p:embed/>
                 </p:oleObj>
               </mc:Choice>
@@ -1053,7 +1053,7 @@
           <a:graphicData uri="http://schemas.openxmlformats.org/presentationml/2006/ole">
             <mc:AlternateContent xmlns:mc="http://schemas.openxmlformats.org/markup-compatibility/2006">
               <mc:Choice xmlns:v="urn:schemas-microsoft-com:vml" Requires="v">
-                <p:oleObj spid="_x0000_s1120" name="think-cell Slide" r:id="rId9" imgW="270" imgH="270" progId="TCLayout.ActiveDocument.1">
+                <p:oleObj spid="_x0000_s1122" name="think-cell Slide" r:id="rId9" imgW="270" imgH="270" progId="TCLayout.ActiveDocument.1">
                   <p:embed/>
                 </p:oleObj>
               </mc:Choice>
@@ -1521,7 +1521,7 @@
   </p:txStyles>
   <p:extLst mod="1">
     <p:ext uri="{27BBF7A9-308A-43DC-89C8-2F10F3537804}">
-      <p15:sldGuideLst xmlns:p15="http://schemas.microsoft.com/office/powerpoint/2012/main">
+      <p15:sldGuideLst xmlns:p15="http://schemas.microsoft.com/office/powerpoint/2012/main" xmlns="">
         <p15:guide id="1" orient="horz" pos="232" userDrawn="1">
           <p15:clr>
             <a:srgbClr val="F26B43"/>
@@ -1633,7 +1633,7 @@
           <a:p>
             <a:fld id="{D8B9695F-A054-4069-A34E-061A76C64008}" type="datetime4">
               <a:rPr lang="en-US" smtClean="0"/>
-              <a:t>March 1, 2017</a:t>
+              <a:t>March 2, 2017</a:t>
             </a:fld>
             <a:endParaRPr lang="en-US" dirty="0" smtClean="0"/>
           </a:p>
@@ -1771,7 +1771,7 @@
           <a:graphicData uri="http://schemas.openxmlformats.org/presentationml/2006/ole">
             <mc:AlternateContent xmlns:mc="http://schemas.openxmlformats.org/markup-compatibility/2006">
               <mc:Choice xmlns:v="urn:schemas-microsoft-com:vml" Requires="v">
-                <p:oleObj spid="_x0000_s6275" name="think-cell Slide" r:id="rId5" imgW="270" imgH="270" progId="TCLayout.ActiveDocument.1">
+                <p:oleObj spid="_x0000_s6277" name="think-cell Slide" r:id="rId5" imgW="270" imgH="270" progId="TCLayout.ActiveDocument.1">
                   <p:embed/>
                 </p:oleObj>
               </mc:Choice>
@@ -2876,7 +2876,7 @@
           <a:graphicData uri="http://schemas.openxmlformats.org/presentationml/2006/ole">
             <mc:AlternateContent xmlns:mc="http://schemas.openxmlformats.org/markup-compatibility/2006">
               <mc:Choice xmlns:v="urn:schemas-microsoft-com:vml" Requires="v">
-                <p:oleObj spid="_x0000_s29712" name="think-cell Slide" r:id="rId5" imgW="270" imgH="270" progId="TCLayout.ActiveDocument.1">
+                <p:oleObj spid="_x0000_s29714" name="think-cell Slide" r:id="rId5" imgW="270" imgH="270" progId="TCLayout.ActiveDocument.1">
                   <p:embed/>
                 </p:oleObj>
               </mc:Choice>
@@ -3055,7 +3055,7 @@
           <p:nvPr>
             <p:extLst>
               <p:ext uri="{D42A27DB-BD31-4B8C-83A1-F6EECF244321}">
-                <p14:modId xmlns:p14="http://schemas.microsoft.com/office/powerpoint/2010/main" val="1376614580"/>
+                <p14:modId xmlns:p14="http://schemas.microsoft.com/office/powerpoint/2010/main" val="533056309"/>
               </p:ext>
             </p:extLst>
           </p:nvPr>
@@ -4124,7 +4124,7 @@
                           <a:effectLst/>
                           <a:latin typeface="Arial" panose="020B0604020202020204" pitchFamily="34" charset="0"/>
                         </a:rPr>
-                        <a:t>kohoujan@fel.cvut.cz</a:t>
+                        <a:t>kohouj13@fel.cvut.cz</a:t>
                       </a:r>
                       <a:endParaRPr lang="en-US" sz="1400" b="0" i="0" u="none" strike="noStrike" dirty="0">
                         <a:solidFill>
@@ -4223,7 +4223,7 @@
           <a:graphicData uri="http://schemas.openxmlformats.org/presentationml/2006/ole">
             <mc:AlternateContent xmlns:mc="http://schemas.openxmlformats.org/markup-compatibility/2006">
               <mc:Choice xmlns:v="urn:schemas-microsoft-com:vml" Requires="v">
-                <p:oleObj spid="_x0000_s28707" name="think-cell Slide" r:id="rId5" imgW="270" imgH="270" progId="TCLayout.ActiveDocument.1">
+                <p:oleObj spid="_x0000_s28709" name="think-cell Slide" r:id="rId5" imgW="270" imgH="270" progId="TCLayout.ActiveDocument.1">
                   <p:embed/>
                 </p:oleObj>
               </mc:Choice>
@@ -4622,18 +4622,6 @@
               </a:rPr>
               <a:t>Rewrite it to Java</a:t>
             </a:r>
-            <a:endParaRPr lang="en-US" sz="1600" dirty="0" smtClean="0">
-              <a:solidFill>
-                <a:srgbClr val="000000"/>
-              </a:solidFill>
-              <a:effectLst>
-                <a:glow>
-                  <a:srgbClr val="000000"/>
-                </a:glow>
-              </a:effectLst>
-              <a:latin typeface="Arial" panose="020B0604020202020204" pitchFamily="34" charset="0"/>
-              <a:cs typeface="Arial" pitchFamily="34" charset="0"/>
-            </a:endParaRPr>
           </a:p>
           <a:p>
             <a:pPr marL="569913" lvl="2" indent="-166688" fontAlgn="base">
@@ -4726,18 +4714,6 @@
               </a:rPr>
               <a:t>Development should be prioritized (not all parts are vital)</a:t>
             </a:r>
-            <a:endParaRPr lang="en-US" sz="1600" dirty="0" smtClean="0">
-              <a:solidFill>
-                <a:srgbClr val="000000"/>
-              </a:solidFill>
-              <a:effectLst>
-                <a:glow>
-                  <a:srgbClr val="000000"/>
-                </a:glow>
-              </a:effectLst>
-              <a:latin typeface="Arial" panose="020B0604020202020204" pitchFamily="34" charset="0"/>
-              <a:cs typeface="Arial" pitchFamily="34" charset="0"/>
-            </a:endParaRPr>
           </a:p>
         </p:txBody>
       </p:sp>
@@ -4864,17 +4840,7 @@
                 <a:latin typeface="Arial" pitchFamily="34" charset="0"/>
                 <a:cs typeface="Arial" pitchFamily="34" charset="0"/>
               </a:rPr>
-              <a:t>This </a:t>
-            </a:r>
-            <a:r>
-              <a:rPr lang="en-US" sz="1600" b="1" dirty="0" smtClean="0">
-                <a:solidFill>
-                  <a:srgbClr val="000000"/>
-                </a:solidFill>
-                <a:latin typeface="Arial" pitchFamily="34" charset="0"/>
-                <a:cs typeface="Arial" pitchFamily="34" charset="0"/>
-              </a:rPr>
-              <a:t>is an added layer of complexity to the project, but should not affect completion</a:t>
+              <a:t>This is an added layer of complexity to the project, but should not affect completion</a:t>
             </a:r>
             <a:endParaRPr lang="en-US" sz="1600" dirty="0">
               <a:solidFill>
@@ -5002,7 +4968,7 @@
           <a:graphicData uri="http://schemas.openxmlformats.org/presentationml/2006/ole">
             <mc:AlternateContent xmlns:mc="http://schemas.openxmlformats.org/markup-compatibility/2006">
               <mc:Choice xmlns:v="urn:schemas-microsoft-com:vml" Requires="v">
-                <p:oleObj spid="_x0000_s30773" name="think-cell Slide" r:id="rId5" imgW="270" imgH="270" progId="TCLayout.ActiveDocument.1">
+                <p:oleObj spid="_x0000_s30775" name="think-cell Slide" r:id="rId5" imgW="270" imgH="270" progId="TCLayout.ActiveDocument.1">
                   <p:embed/>
                 </p:oleObj>
               </mc:Choice>
@@ -5214,17 +5180,7 @@
                 <a:latin typeface="Arial" pitchFamily="34" charset="0"/>
                 <a:cs typeface="Arial" pitchFamily="34" charset="0"/>
               </a:rPr>
-              <a:t>Schemes and documents describing the structure and functions </a:t>
-            </a:r>
-            <a:r>
-              <a:rPr lang="en-US" sz="1600" b="1" dirty="0" smtClean="0">
-                <a:solidFill>
-                  <a:srgbClr val="000000"/>
-                </a:solidFill>
-                <a:latin typeface="Arial" pitchFamily="34" charset="0"/>
-                <a:cs typeface="Arial" pitchFamily="34" charset="0"/>
-              </a:rPr>
-              <a:t>of the original CASA tool</a:t>
+              <a:t>Schemes and documents describing the structure and functions of the original CASA tool</a:t>
             </a:r>
             <a:endParaRPr lang="en-US" sz="1600" dirty="0">
               <a:solidFill>
@@ -5331,27 +5287,7 @@
                 <a:latin typeface="Arial" pitchFamily="34" charset="0"/>
                 <a:cs typeface="Arial" pitchFamily="34" charset="0"/>
               </a:rPr>
-              <a:t>Series of documents </a:t>
-            </a:r>
-            <a:r>
-              <a:rPr lang="en-US" sz="1600" b="1" dirty="0" smtClean="0">
-                <a:solidFill>
-                  <a:srgbClr val="000000"/>
-                </a:solidFill>
-                <a:latin typeface="Arial" pitchFamily="34" charset="0"/>
-                <a:cs typeface="Arial" pitchFamily="34" charset="0"/>
-              </a:rPr>
-              <a:t>covering the development and code of the created Java </a:t>
-            </a:r>
-            <a:r>
-              <a:rPr lang="en-US" sz="1600" b="1" dirty="0" smtClean="0">
-                <a:solidFill>
-                  <a:srgbClr val="000000"/>
-                </a:solidFill>
-                <a:latin typeface="Arial" pitchFamily="34" charset="0"/>
-                <a:cs typeface="Arial" pitchFamily="34" charset="0"/>
-              </a:rPr>
-              <a:t>CASA derivative</a:t>
+              <a:t>Series of documents covering the development and code of the created Java CASA derivative</a:t>
             </a:r>
             <a:endParaRPr lang="en-US" sz="1600" dirty="0">
               <a:solidFill>
@@ -5458,27 +5394,7 @@
                 <a:latin typeface="Arial" pitchFamily="34" charset="0"/>
                 <a:cs typeface="Arial" pitchFamily="34" charset="0"/>
               </a:rPr>
-              <a:t>Working snippets</a:t>
-            </a:r>
-            <a:r>
-              <a:rPr lang="en-US" sz="1600" b="1" dirty="0" smtClean="0">
-                <a:solidFill>
-                  <a:srgbClr val="000000"/>
-                </a:solidFill>
-                <a:latin typeface="Arial" pitchFamily="34" charset="0"/>
-                <a:cs typeface="Arial" pitchFamily="34" charset="0"/>
-              </a:rPr>
-              <a:t>/ whole </a:t>
-            </a:r>
-            <a:r>
-              <a:rPr lang="en-US" sz="1600" b="1" dirty="0" smtClean="0">
-                <a:solidFill>
-                  <a:srgbClr val="000000"/>
-                </a:solidFill>
-                <a:latin typeface="Arial" pitchFamily="34" charset="0"/>
-                <a:cs typeface="Arial" pitchFamily="34" charset="0"/>
-              </a:rPr>
-              <a:t>project based on the CASA source code</a:t>
+              <a:t>Working snippets/ whole project based on the CASA source code</a:t>
             </a:r>
             <a:endParaRPr lang="en-US" sz="1600" dirty="0">
               <a:solidFill>
@@ -14630,7 +14546,7 @@
           <a:graphicData uri="http://schemas.openxmlformats.org/presentationml/2006/ole">
             <mc:AlternateContent xmlns:mc="http://schemas.openxmlformats.org/markup-compatibility/2006">
               <mc:Choice xmlns:v="urn:schemas-microsoft-com:vml" Requires="v">
-                <p:oleObj spid="_x0000_s31760" name="think-cell Slide" r:id="rId109" imgW="270" imgH="270" progId="TCLayout.ActiveDocument.1">
+                <p:oleObj spid="_x0000_s31762" name="think-cell Slide" r:id="rId109" imgW="270" imgH="270" progId="TCLayout.ActiveDocument.1">
                   <p:embed/>
                 </p:oleObj>
               </mc:Choice>
@@ -25829,7 +25745,7 @@
           <a:graphicData uri="http://schemas.openxmlformats.org/presentationml/2006/ole">
             <mc:AlternateContent xmlns:mc="http://schemas.openxmlformats.org/markup-compatibility/2006">
               <mc:Choice xmlns:v="urn:schemas-microsoft-com:vml" Requires="v">
-                <p:oleObj spid="_x0000_s33813" name="think-cell Slide" r:id="rId5" imgW="270" imgH="270" progId="TCLayout.ActiveDocument.1">
+                <p:oleObj spid="_x0000_s33815" name="think-cell Slide" r:id="rId5" imgW="270" imgH="270" progId="TCLayout.ActiveDocument.1">
                   <p:embed/>
                 </p:oleObj>
               </mc:Choice>
@@ -28163,13 +28079,6 @@
               </a:rPr>
               <a:t>1</a:t>
             </a:r>
-            <a:endParaRPr lang="en-US" sz="1600" b="1" dirty="0">
-              <a:solidFill>
-                <a:srgbClr val="FFFFFF"/>
-              </a:solidFill>
-              <a:latin typeface="Arial" panose="020B0604020202020204" pitchFamily="34" charset="0"/>
-              <a:cs typeface="Arial" pitchFamily="34" charset="0"/>
-            </a:endParaRPr>
           </a:p>
         </p:txBody>
       </p:sp>
@@ -29158,7 +29067,7 @@
           <a:graphicData uri="http://schemas.openxmlformats.org/presentationml/2006/ole">
             <mc:AlternateContent xmlns:mc="http://schemas.openxmlformats.org/markup-compatibility/2006">
               <mc:Choice xmlns:v="urn:schemas-microsoft-com:vml" Requires="v">
-                <p:oleObj spid="_x0000_s34830" name="think-cell Slide" r:id="rId5" imgW="270" imgH="270" progId="TCLayout.ActiveDocument.1">
+                <p:oleObj spid="_x0000_s34832" name="think-cell Slide" r:id="rId5" imgW="270" imgH="270" progId="TCLayout.ActiveDocument.1">
                   <p:embed/>
                 </p:oleObj>
               </mc:Choice>
@@ -29269,11 +29178,7 @@
           <a:p>
             <a:r>
               <a:rPr lang="en-US" dirty="0" smtClean="0"/>
-              <a:t>Full Project </a:t>
-            </a:r>
-            <a:r>
-              <a:rPr lang="en-US" dirty="0" smtClean="0"/>
-              <a:t>View</a:t>
+              <a:t>Full Project View</a:t>
             </a:r>
             <a:endParaRPr lang="cs-CZ" dirty="0"/>
           </a:p>
@@ -29378,13 +29283,6 @@
                 </a:rPr>
                 <a:t>1</a:t>
               </a:r>
-              <a:endParaRPr lang="en-US" sz="1600" b="1" dirty="0">
-                <a:solidFill>
-                  <a:srgbClr val="FFFFFF"/>
-                </a:solidFill>
-                <a:latin typeface="Arial" panose="020B0604020202020204" pitchFamily="34" charset="0"/>
-                <a:cs typeface="Arial" pitchFamily="34" charset="0"/>
-              </a:endParaRPr>
             </a:p>
           </p:txBody>
         </p:sp>
@@ -31638,7 +31536,7 @@
   <a:extraClrSchemeLst/>
   <a:extLst>
     <a:ext uri="{05A4C25C-085E-4340-85A3-A5531E510DB2}">
-      <thm15:themeFamily xmlns:thm15="http://schemas.microsoft.com/office/thememl/2012/main" name="PowerPoint CZ.potx" id="{1BD4F44E-F71F-4A14-9EF9-FF6613634235}" vid="{496B007D-76DB-4922-86C8-13F7F6C54EC7}"/>
+      <thm15:themeFamily xmlns:thm15="http://schemas.microsoft.com/office/thememl/2012/main" xmlns="" name="PowerPoint CZ.potx" id="{1BD4F44E-F71F-4A14-9EF9-FF6613634235}" vid="{496B007D-76DB-4922-86C8-13F7F6C54EC7}"/>
     </a:ext>
   </a:extLst>
 </a:theme>
